--- a/ForLoops/ForLoops.pptx
+++ b/ForLoops/ForLoops.pptx
@@ -5156,13 +5156,13 @@
   <p:clrMapOvr>
     <a:masterClrMapping/>
   </p:clrMapOvr>
-  <mc:AlternateContent xmlns:mc="http://schemas.openxmlformats.org/markup-compatibility/2006">
-    <mc:Choice xmlns:p159="http://schemas.microsoft.com/office/powerpoint/2015/09/main" Requires="p159">
+  <mc:AlternateContent xmlns:mc="http://schemas.openxmlformats.org/markup-compatibility/2006" xmlns:p159="http://schemas.microsoft.com/office/powerpoint/2015/09/main">
+    <mc:Choice Requires="p159">
       <p:transition spd="slow">
         <p159:morph option="byObject"/>
       </p:transition>
     </mc:Choice>
-    <mc:Fallback>
+    <mc:Fallback xmlns="">
       <p:transition spd="slow">
         <p:fade/>
       </p:transition>
@@ -5548,13 +5548,13 @@
   <p:clrMapOvr>
     <a:masterClrMapping/>
   </p:clrMapOvr>
-  <mc:AlternateContent xmlns:mc="http://schemas.openxmlformats.org/markup-compatibility/2006">
-    <mc:Choice xmlns:p159="http://schemas.microsoft.com/office/powerpoint/2015/09/main" Requires="p159">
+  <mc:AlternateContent xmlns:mc="http://schemas.openxmlformats.org/markup-compatibility/2006" xmlns:p159="http://schemas.microsoft.com/office/powerpoint/2015/09/main">
+    <mc:Choice Requires="p159">
       <p:transition spd="slow">
         <p159:morph option="byObject"/>
       </p:transition>
     </mc:Choice>
-    <mc:Fallback>
+    <mc:Fallback xmlns="">
       <p:transition spd="slow">
         <p:fade/>
       </p:transition>
@@ -5940,13 +5940,13 @@
   <p:clrMapOvr>
     <a:masterClrMapping/>
   </p:clrMapOvr>
-  <mc:AlternateContent xmlns:mc="http://schemas.openxmlformats.org/markup-compatibility/2006">
-    <mc:Choice xmlns:p159="http://schemas.microsoft.com/office/powerpoint/2015/09/main" Requires="p159">
+  <mc:AlternateContent xmlns:mc="http://schemas.openxmlformats.org/markup-compatibility/2006" xmlns:p159="http://schemas.microsoft.com/office/powerpoint/2015/09/main">
+    <mc:Choice Requires="p159">
       <p:transition spd="slow">
         <p159:morph option="byObject"/>
       </p:transition>
     </mc:Choice>
-    <mc:Fallback>
+    <mc:Fallback xmlns="">
       <p:transition spd="slow">
         <p:fade/>
       </p:transition>
@@ -6957,13 +6957,13 @@
   <p:clrMapOvr>
     <a:masterClrMapping/>
   </p:clrMapOvr>
-  <mc:AlternateContent xmlns:mc="http://schemas.openxmlformats.org/markup-compatibility/2006">
-    <mc:Choice xmlns:p159="http://schemas.microsoft.com/office/powerpoint/2015/09/main" Requires="p159">
+  <mc:AlternateContent xmlns:mc="http://schemas.openxmlformats.org/markup-compatibility/2006" xmlns:p159="http://schemas.microsoft.com/office/powerpoint/2015/09/main">
+    <mc:Choice Requires="p159">
       <p:transition spd="slow">
         <p159:morph option="byObject"/>
       </p:transition>
     </mc:Choice>
-    <mc:Fallback>
+    <mc:Fallback xmlns="">
       <p:transition spd="slow">
         <p:fade/>
       </p:transition>
@@ -7220,13 +7220,13 @@
   <p:clrMapOvr>
     <a:masterClrMapping/>
   </p:clrMapOvr>
-  <mc:AlternateContent xmlns:mc="http://schemas.openxmlformats.org/markup-compatibility/2006">
-    <mc:Choice xmlns:p159="http://schemas.microsoft.com/office/powerpoint/2015/09/main" Requires="p159">
+  <mc:AlternateContent xmlns:mc="http://schemas.openxmlformats.org/markup-compatibility/2006" xmlns:p159="http://schemas.microsoft.com/office/powerpoint/2015/09/main">
+    <mc:Choice Requires="p159">
       <p:transition spd="slow">
         <p159:morph option="byObject"/>
       </p:transition>
     </mc:Choice>
-    <mc:Fallback>
+    <mc:Fallback xmlns="">
       <p:transition spd="slow">
         <p:fade/>
       </p:transition>
@@ -7901,13 +7901,13 @@
   <p:clrMapOvr>
     <a:masterClrMapping/>
   </p:clrMapOvr>
-  <mc:AlternateContent xmlns:mc="http://schemas.openxmlformats.org/markup-compatibility/2006">
-    <mc:Choice xmlns:p159="http://schemas.microsoft.com/office/powerpoint/2015/09/main" Requires="p159">
+  <mc:AlternateContent xmlns:mc="http://schemas.openxmlformats.org/markup-compatibility/2006" xmlns:p159="http://schemas.microsoft.com/office/powerpoint/2015/09/main">
+    <mc:Choice Requires="p159">
       <p:transition spd="slow">
         <p159:morph option="byObject"/>
       </p:transition>
     </mc:Choice>
-    <mc:Fallback>
+    <mc:Fallback xmlns="">
       <p:transition spd="slow">
         <p:fade/>
       </p:transition>
@@ -8466,13 +8466,13 @@
     <p:sldLayoutId id="2147483672" r:id="rId5"/>
     <p:sldLayoutId id="2147483673" r:id="rId6"/>
   </p:sldLayoutIdLst>
-  <mc:AlternateContent xmlns:mc="http://schemas.openxmlformats.org/markup-compatibility/2006">
-    <mc:Choice xmlns:p159="http://schemas.microsoft.com/office/powerpoint/2015/09/main" Requires="p159">
+  <mc:AlternateContent xmlns:mc="http://schemas.openxmlformats.org/markup-compatibility/2006" xmlns:p159="http://schemas.microsoft.com/office/powerpoint/2015/09/main">
+    <mc:Choice Requires="p159">
       <p:transition spd="slow">
         <p159:morph option="byObject"/>
       </p:transition>
     </mc:Choice>
-    <mc:Fallback>
+    <mc:Fallback xmlns="">
       <p:transition spd="slow">
         <p:fade/>
       </p:transition>
@@ -12548,13 +12548,13 @@
   <p:clrMapOvr>
     <a:masterClrMapping/>
   </p:clrMapOvr>
-  <mc:AlternateContent xmlns:mc="http://schemas.openxmlformats.org/markup-compatibility/2006">
-    <mc:Choice xmlns:p159="http://schemas.microsoft.com/office/powerpoint/2015/09/main" Requires="p159">
+  <mc:AlternateContent xmlns:mc="http://schemas.openxmlformats.org/markup-compatibility/2006" xmlns:p159="http://schemas.microsoft.com/office/powerpoint/2015/09/main">
+    <mc:Choice Requires="p159">
       <p:transition spd="slow">
         <p159:morph option="byObject"/>
       </p:transition>
     </mc:Choice>
-    <mc:Fallback>
+    <mc:Fallback xmlns="">
       <p:transition spd="slow">
         <p:fade/>
       </p:transition>
@@ -12661,7 +12661,10 @@
             <a:r>
               <a:rPr lang="en-US" sz="6000" dirty="0">
                 <a:solidFill>
-                  <a:srgbClr val="FFF0B9"/>
+                  <a:schemeClr val="accent2">
+                    <a:lumMod val="40000"/>
+                    <a:lumOff val="60000"/>
+                  </a:schemeClr>
                 </a:solidFill>
                 <a:latin typeface="Miriam Libre" panose="00000500000000000000" pitchFamily="2" charset="-79"/>
                 <a:cs typeface="Miriam Libre" panose="00000500000000000000" pitchFamily="2" charset="-79"/>
@@ -12673,11 +12676,14 @@
                   </a:extLst>
                 </a:hlinkClick>
               </a:rPr>
-              <a:t>https://replit.com/@HylandOutreach/Mantra#script.js</a:t>
+              <a:t>https://jsfiddle.net/t6rpyqfe/</a:t>
             </a:r>
             <a:endParaRPr lang="en-US" sz="6000" dirty="0">
               <a:solidFill>
-                <a:srgbClr val="FFF0B9"/>
+                <a:schemeClr val="accent2">
+                  <a:lumMod val="40000"/>
+                  <a:lumOff val="60000"/>
+                </a:schemeClr>
               </a:solidFill>
               <a:latin typeface="Miriam Libre" panose="00000500000000000000" pitchFamily="2" charset="-79"/>
               <a:cs typeface="Miriam Libre" panose="00000500000000000000" pitchFamily="2" charset="-79"/>
@@ -12695,13 +12701,13 @@
   <p:clrMapOvr>
     <a:masterClrMapping/>
   </p:clrMapOvr>
-  <mc:AlternateContent xmlns:mc="http://schemas.openxmlformats.org/markup-compatibility/2006">
-    <mc:Choice xmlns:p159="http://schemas.microsoft.com/office/powerpoint/2015/09/main" Requires="p159">
+  <mc:AlternateContent xmlns:mc="http://schemas.openxmlformats.org/markup-compatibility/2006" xmlns:p159="http://schemas.microsoft.com/office/powerpoint/2015/09/main">
+    <mc:Choice Requires="p159">
       <p:transition spd="slow">
         <p159:morph option="byObject"/>
       </p:transition>
     </mc:Choice>
-    <mc:Fallback>
+    <mc:Fallback xmlns="">
       <p:transition spd="slow">
         <p:fade/>
       </p:transition>
@@ -13899,13 +13905,13 @@
   <p:clrMapOvr>
     <a:masterClrMapping/>
   </p:clrMapOvr>
-  <mc:AlternateContent xmlns:mc="http://schemas.openxmlformats.org/markup-compatibility/2006">
-    <mc:Choice xmlns:p159="http://schemas.microsoft.com/office/powerpoint/2015/09/main" Requires="p159">
+  <mc:AlternateContent xmlns:mc="http://schemas.openxmlformats.org/markup-compatibility/2006" xmlns:p159="http://schemas.microsoft.com/office/powerpoint/2015/09/main">
+    <mc:Choice Requires="p159">
       <p:transition spd="slow">
         <p159:morph option="byObject"/>
       </p:transition>
     </mc:Choice>
-    <mc:Fallback>
+    <mc:Fallback xmlns="">
       <p:transition spd="slow">
         <p:fade/>
       </p:transition>
@@ -15402,13 +15408,13 @@
   <p:clrMapOvr>
     <a:masterClrMapping/>
   </p:clrMapOvr>
-  <mc:AlternateContent xmlns:mc="http://schemas.openxmlformats.org/markup-compatibility/2006">
-    <mc:Choice xmlns:p159="http://schemas.microsoft.com/office/powerpoint/2015/09/main" Requires="p159">
+  <mc:AlternateContent xmlns:mc="http://schemas.openxmlformats.org/markup-compatibility/2006" xmlns:p159="http://schemas.microsoft.com/office/powerpoint/2015/09/main">
+    <mc:Choice Requires="p159">
       <p:transition spd="slow">
         <p159:morph option="byObject"/>
       </p:transition>
     </mc:Choice>
-    <mc:Fallback>
+    <mc:Fallback xmlns="">
       <p:transition spd="slow">
         <p:fade/>
       </p:transition>
@@ -16064,13 +16070,13 @@
   <p:clrMapOvr>
     <a:masterClrMapping/>
   </p:clrMapOvr>
-  <mc:AlternateContent xmlns:mc="http://schemas.openxmlformats.org/markup-compatibility/2006">
-    <mc:Choice xmlns:p159="http://schemas.microsoft.com/office/powerpoint/2015/09/main" Requires="p159">
+  <mc:AlternateContent xmlns:mc="http://schemas.openxmlformats.org/markup-compatibility/2006" xmlns:p159="http://schemas.microsoft.com/office/powerpoint/2015/09/main">
+    <mc:Choice Requires="p159">
       <p:transition spd="slow">
         <p159:morph option="byObject"/>
       </p:transition>
     </mc:Choice>
-    <mc:Fallback>
+    <mc:Fallback xmlns="">
       <p:transition spd="slow">
         <p:fade/>
       </p:transition>
@@ -16486,13 +16492,13 @@
   <p:clrMapOvr>
     <a:masterClrMapping/>
   </p:clrMapOvr>
-  <mc:AlternateContent xmlns:mc="http://schemas.openxmlformats.org/markup-compatibility/2006">
-    <mc:Choice xmlns:p159="http://schemas.microsoft.com/office/powerpoint/2015/09/main" Requires="p159">
+  <mc:AlternateContent xmlns:mc="http://schemas.openxmlformats.org/markup-compatibility/2006" xmlns:p159="http://schemas.microsoft.com/office/powerpoint/2015/09/main">
+    <mc:Choice Requires="p159">
       <p:transition spd="slow">
         <p159:morph option="byObject"/>
       </p:transition>
     </mc:Choice>
-    <mc:Fallback>
+    <mc:Fallback xmlns="">
       <p:transition spd="slow">
         <p:fade/>
       </p:transition>
@@ -16981,13 +16987,13 @@
   <p:clrMapOvr>
     <a:masterClrMapping/>
   </p:clrMapOvr>
-  <mc:AlternateContent xmlns:mc="http://schemas.openxmlformats.org/markup-compatibility/2006">
-    <mc:Choice xmlns:p159="http://schemas.microsoft.com/office/powerpoint/2015/09/main" Requires="p159">
+  <mc:AlternateContent xmlns:mc="http://schemas.openxmlformats.org/markup-compatibility/2006" xmlns:p159="http://schemas.microsoft.com/office/powerpoint/2015/09/main">
+    <mc:Choice Requires="p159">
       <p:transition spd="slow">
         <p159:morph option="byObject"/>
       </p:transition>
     </mc:Choice>
-    <mc:Fallback>
+    <mc:Fallback xmlns="">
       <p:transition spd="slow">
         <p:fade/>
       </p:transition>
@@ -17684,13 +17690,13 @@
   <p:clrMapOvr>
     <a:masterClrMapping/>
   </p:clrMapOvr>
-  <mc:AlternateContent xmlns:mc="http://schemas.openxmlformats.org/markup-compatibility/2006">
-    <mc:Choice xmlns:p159="http://schemas.microsoft.com/office/powerpoint/2015/09/main" Requires="p159">
+  <mc:AlternateContent xmlns:mc="http://schemas.openxmlformats.org/markup-compatibility/2006" xmlns:p159="http://schemas.microsoft.com/office/powerpoint/2015/09/main">
+    <mc:Choice Requires="p159">
       <p:transition spd="slow">
         <p159:morph option="byObject"/>
       </p:transition>
     </mc:Choice>
-    <mc:Fallback>
+    <mc:Fallback xmlns="">
       <p:transition spd="slow">
         <p:fade/>
       </p:transition>
@@ -18371,13 +18377,13 @@
   <p:clrMapOvr>
     <a:masterClrMapping/>
   </p:clrMapOvr>
-  <mc:AlternateContent xmlns:mc="http://schemas.openxmlformats.org/markup-compatibility/2006">
-    <mc:Choice xmlns:p159="http://schemas.microsoft.com/office/powerpoint/2015/09/main" Requires="p159">
+  <mc:AlternateContent xmlns:mc="http://schemas.openxmlformats.org/markup-compatibility/2006" xmlns:p159="http://schemas.microsoft.com/office/powerpoint/2015/09/main">
+    <mc:Choice Requires="p159">
       <p:transition spd="slow">
         <p159:morph option="byObject"/>
       </p:transition>
     </mc:Choice>
-    <mc:Fallback>
+    <mc:Fallback xmlns="">
       <p:transition spd="slow">
         <p:fade/>
       </p:transition>
@@ -18930,13 +18936,13 @@
   <p:clrMapOvr>
     <a:masterClrMapping/>
   </p:clrMapOvr>
-  <mc:AlternateContent xmlns:mc="http://schemas.openxmlformats.org/markup-compatibility/2006">
-    <mc:Choice xmlns:p159="http://schemas.microsoft.com/office/powerpoint/2015/09/main" Requires="p159">
+  <mc:AlternateContent xmlns:mc="http://schemas.openxmlformats.org/markup-compatibility/2006" xmlns:p159="http://schemas.microsoft.com/office/powerpoint/2015/09/main">
+    <mc:Choice Requires="p159">
       <p:transition spd="slow">
         <p159:morph option="byObject"/>
       </p:transition>
     </mc:Choice>
-    <mc:Fallback>
+    <mc:Fallback xmlns="">
       <p:transition spd="slow">
         <p:fade/>
       </p:transition>
@@ -19712,13 +19718,13 @@
   <p:clrMapOvr>
     <a:masterClrMapping/>
   </p:clrMapOvr>
-  <mc:AlternateContent xmlns:mc="http://schemas.openxmlformats.org/markup-compatibility/2006">
-    <mc:Choice xmlns:p159="http://schemas.microsoft.com/office/powerpoint/2015/09/main" Requires="p159">
+  <mc:AlternateContent xmlns:mc="http://schemas.openxmlformats.org/markup-compatibility/2006" xmlns:p159="http://schemas.microsoft.com/office/powerpoint/2015/09/main">
+    <mc:Choice Requires="p159">
       <p:transition spd="slow">
         <p159:morph option="byObject"/>
       </p:transition>
     </mc:Choice>
-    <mc:Fallback>
+    <mc:Fallback xmlns="">
       <p:transition spd="slow">
         <p:fade/>
       </p:transition>
@@ -20072,13 +20078,13 @@
   <p:clrMapOvr>
     <a:masterClrMapping/>
   </p:clrMapOvr>
-  <mc:AlternateContent xmlns:mc="http://schemas.openxmlformats.org/markup-compatibility/2006">
-    <mc:Choice xmlns:p159="http://schemas.microsoft.com/office/powerpoint/2015/09/main" Requires="p159">
+  <mc:AlternateContent xmlns:mc="http://schemas.openxmlformats.org/markup-compatibility/2006" xmlns:p159="http://schemas.microsoft.com/office/powerpoint/2015/09/main">
+    <mc:Choice Requires="p159">
       <p:transition spd="slow">
         <p159:morph option="byObject"/>
       </p:transition>
     </mc:Choice>
-    <mc:Fallback>
+    <mc:Fallback xmlns="">
       <p:transition spd="slow">
         <p:fade/>
       </p:transition>
@@ -20764,13 +20770,13 @@
   <p:clrMapOvr>
     <a:masterClrMapping/>
   </p:clrMapOvr>
-  <mc:AlternateContent xmlns:mc="http://schemas.openxmlformats.org/markup-compatibility/2006">
-    <mc:Choice xmlns:p159="http://schemas.microsoft.com/office/powerpoint/2015/09/main" Requires="p159">
+  <mc:AlternateContent xmlns:mc="http://schemas.openxmlformats.org/markup-compatibility/2006" xmlns:p159="http://schemas.microsoft.com/office/powerpoint/2015/09/main">
+    <mc:Choice Requires="p159">
       <p:transition spd="slow">
         <p159:morph option="byObject"/>
       </p:transition>
     </mc:Choice>
-    <mc:Fallback>
+    <mc:Fallback xmlns="">
       <p:transition spd="slow">
         <p:fade/>
       </p:transition>
@@ -21285,13 +21291,13 @@
   <p:clrMapOvr>
     <a:masterClrMapping/>
   </p:clrMapOvr>
-  <mc:AlternateContent xmlns:mc="http://schemas.openxmlformats.org/markup-compatibility/2006">
-    <mc:Choice xmlns:p159="http://schemas.microsoft.com/office/powerpoint/2015/09/main" Requires="p159">
+  <mc:AlternateContent xmlns:mc="http://schemas.openxmlformats.org/markup-compatibility/2006" xmlns:p159="http://schemas.microsoft.com/office/powerpoint/2015/09/main">
+    <mc:Choice Requires="p159">
       <p:transition spd="slow">
         <p159:morph option="byObject"/>
       </p:transition>
     </mc:Choice>
-    <mc:Fallback>
+    <mc:Fallback xmlns="">
       <p:transition spd="slow">
         <p:fade/>
       </p:transition>
@@ -22115,13 +22121,13 @@
   <p:clrMapOvr>
     <a:masterClrMapping/>
   </p:clrMapOvr>
-  <mc:AlternateContent xmlns:mc="http://schemas.openxmlformats.org/markup-compatibility/2006">
-    <mc:Choice xmlns:p159="http://schemas.microsoft.com/office/powerpoint/2015/09/main" Requires="p159">
+  <mc:AlternateContent xmlns:mc="http://schemas.openxmlformats.org/markup-compatibility/2006" xmlns:p159="http://schemas.microsoft.com/office/powerpoint/2015/09/main">
+    <mc:Choice Requires="p159">
       <p:transition spd="slow">
         <p159:morph option="byObject"/>
       </p:transition>
     </mc:Choice>
-    <mc:Fallback>
+    <mc:Fallback xmlns="">
       <p:transition spd="slow">
         <p:fade/>
       </p:transition>
@@ -22858,13 +22864,13 @@
   <p:clrMapOvr>
     <a:masterClrMapping/>
   </p:clrMapOvr>
-  <mc:AlternateContent xmlns:mc="http://schemas.openxmlformats.org/markup-compatibility/2006">
-    <mc:Choice xmlns:p159="http://schemas.microsoft.com/office/powerpoint/2015/09/main" Requires="p159">
+  <mc:AlternateContent xmlns:mc="http://schemas.openxmlformats.org/markup-compatibility/2006" xmlns:p159="http://schemas.microsoft.com/office/powerpoint/2015/09/main">
+    <mc:Choice Requires="p159">
       <p:transition spd="slow">
         <p159:morph option="byObject"/>
       </p:transition>
     </mc:Choice>
-    <mc:Fallback>
+    <mc:Fallback xmlns="">
       <p:transition spd="slow">
         <p:fade/>
       </p:transition>
@@ -23762,13 +23768,13 @@
   <p:clrMapOvr>
     <a:masterClrMapping/>
   </p:clrMapOvr>
-  <mc:AlternateContent xmlns:mc="http://schemas.openxmlformats.org/markup-compatibility/2006">
-    <mc:Choice xmlns:p159="http://schemas.microsoft.com/office/powerpoint/2015/09/main" Requires="p159">
+  <mc:AlternateContent xmlns:mc="http://schemas.openxmlformats.org/markup-compatibility/2006" xmlns:p159="http://schemas.microsoft.com/office/powerpoint/2015/09/main">
+    <mc:Choice Requires="p159">
       <p:transition spd="slow">
         <p159:morph option="byObject"/>
       </p:transition>
     </mc:Choice>
-    <mc:Fallback>
+    <mc:Fallback xmlns="">
       <p:transition spd="slow">
         <p:fade/>
       </p:transition>
@@ -24415,13 +24421,13 @@
   <p:clrMapOvr>
     <a:masterClrMapping/>
   </p:clrMapOvr>
-  <mc:AlternateContent xmlns:mc="http://schemas.openxmlformats.org/markup-compatibility/2006">
-    <mc:Choice xmlns:p159="http://schemas.microsoft.com/office/powerpoint/2015/09/main" Requires="p159">
+  <mc:AlternateContent xmlns:mc="http://schemas.openxmlformats.org/markup-compatibility/2006" xmlns:p159="http://schemas.microsoft.com/office/powerpoint/2015/09/main">
+    <mc:Choice Requires="p159">
       <p:transition spd="slow">
         <p159:morph option="byObject"/>
       </p:transition>
     </mc:Choice>
-    <mc:Fallback>
+    <mc:Fallback xmlns="">
       <p:transition spd="slow">
         <p:fade/>
       </p:transition>
@@ -25257,13 +25263,13 @@
   <p:clrMapOvr>
     <a:masterClrMapping/>
   </p:clrMapOvr>
-  <mc:AlternateContent xmlns:mc="http://schemas.openxmlformats.org/markup-compatibility/2006">
-    <mc:Choice xmlns:p159="http://schemas.microsoft.com/office/powerpoint/2015/09/main" Requires="p159">
+  <mc:AlternateContent xmlns:mc="http://schemas.openxmlformats.org/markup-compatibility/2006" xmlns:p159="http://schemas.microsoft.com/office/powerpoint/2015/09/main">
+    <mc:Choice Requires="p159">
       <p:transition spd="slow">
         <p159:morph option="byObject"/>
       </p:transition>
     </mc:Choice>
-    <mc:Fallback>
+    <mc:Fallback xmlns="">
       <p:transition spd="slow">
         <p:fade/>
       </p:transition>
@@ -26015,13 +26021,13 @@
   <p:clrMapOvr>
     <a:masterClrMapping/>
   </p:clrMapOvr>
-  <mc:AlternateContent xmlns:mc="http://schemas.openxmlformats.org/markup-compatibility/2006">
-    <mc:Choice xmlns:p159="http://schemas.microsoft.com/office/powerpoint/2015/09/main" Requires="p159">
+  <mc:AlternateContent xmlns:mc="http://schemas.openxmlformats.org/markup-compatibility/2006" xmlns:p159="http://schemas.microsoft.com/office/powerpoint/2015/09/main">
+    <mc:Choice Requires="p159">
       <p:transition spd="slow">
         <p159:morph option="byObject"/>
       </p:transition>
     </mc:Choice>
-    <mc:Fallback>
+    <mc:Fallback xmlns="">
       <p:transition spd="slow">
         <p:fade/>
       </p:transition>
@@ -26919,13 +26925,13 @@
   <p:clrMapOvr>
     <a:masterClrMapping/>
   </p:clrMapOvr>
-  <mc:AlternateContent xmlns:mc="http://schemas.openxmlformats.org/markup-compatibility/2006">
-    <mc:Choice xmlns:p159="http://schemas.microsoft.com/office/powerpoint/2015/09/main" Requires="p159">
+  <mc:AlternateContent xmlns:mc="http://schemas.openxmlformats.org/markup-compatibility/2006" xmlns:p159="http://schemas.microsoft.com/office/powerpoint/2015/09/main">
+    <mc:Choice Requires="p159">
       <p:transition spd="slow">
         <p159:morph option="byObject"/>
       </p:transition>
     </mc:Choice>
-    <mc:Fallback>
+    <mc:Fallback xmlns="">
       <p:transition spd="slow">
         <p:fade/>
       </p:transition>
@@ -27572,13 +27578,13 @@
   <p:clrMapOvr>
     <a:masterClrMapping/>
   </p:clrMapOvr>
-  <mc:AlternateContent xmlns:mc="http://schemas.openxmlformats.org/markup-compatibility/2006">
-    <mc:Choice xmlns:p159="http://schemas.microsoft.com/office/powerpoint/2015/09/main" Requires="p159">
+  <mc:AlternateContent xmlns:mc="http://schemas.openxmlformats.org/markup-compatibility/2006" xmlns:p159="http://schemas.microsoft.com/office/powerpoint/2015/09/main">
+    <mc:Choice Requires="p159">
       <p:transition spd="slow">
         <p159:morph option="byObject"/>
       </p:transition>
     </mc:Choice>
-    <mc:Fallback>
+    <mc:Fallback xmlns="">
       <p:transition spd="slow">
         <p:fade/>
       </p:transition>
@@ -28386,13 +28392,13 @@
   <p:clrMapOvr>
     <a:masterClrMapping/>
   </p:clrMapOvr>
-  <mc:AlternateContent xmlns:mc="http://schemas.openxmlformats.org/markup-compatibility/2006">
-    <mc:Choice xmlns:p159="http://schemas.microsoft.com/office/powerpoint/2015/09/main" Requires="p159">
+  <mc:AlternateContent xmlns:mc="http://schemas.openxmlformats.org/markup-compatibility/2006" xmlns:p159="http://schemas.microsoft.com/office/powerpoint/2015/09/main">
+    <mc:Choice Requires="p159">
       <p:transition spd="slow">
         <p159:morph option="byObject"/>
       </p:transition>
     </mc:Choice>
-    <mc:Fallback>
+    <mc:Fallback xmlns="">
       <p:transition spd="slow">
         <p:fade/>
       </p:transition>
@@ -29232,13 +29238,13 @@
   <p:clrMapOvr>
     <a:masterClrMapping/>
   </p:clrMapOvr>
-  <mc:AlternateContent xmlns:mc="http://schemas.openxmlformats.org/markup-compatibility/2006">
-    <mc:Choice xmlns:p159="http://schemas.microsoft.com/office/powerpoint/2015/09/main" Requires="p159">
+  <mc:AlternateContent xmlns:mc="http://schemas.openxmlformats.org/markup-compatibility/2006" xmlns:p159="http://schemas.microsoft.com/office/powerpoint/2015/09/main">
+    <mc:Choice Requires="p159">
       <p:transition spd="slow">
         <p159:morph option="byObject"/>
       </p:transition>
     </mc:Choice>
-    <mc:Fallback>
+    <mc:Fallback xmlns="">
       <p:transition spd="slow">
         <p:fade/>
       </p:transition>
@@ -30061,13 +30067,13 @@
   <p:clrMapOvr>
     <a:masterClrMapping/>
   </p:clrMapOvr>
-  <mc:AlternateContent xmlns:mc="http://schemas.openxmlformats.org/markup-compatibility/2006">
-    <mc:Choice xmlns:p159="http://schemas.microsoft.com/office/powerpoint/2015/09/main" Requires="p159">
+  <mc:AlternateContent xmlns:mc="http://schemas.openxmlformats.org/markup-compatibility/2006" xmlns:p159="http://schemas.microsoft.com/office/powerpoint/2015/09/main">
+    <mc:Choice Requires="p159">
       <p:transition spd="slow">
         <p159:morph option="byObject"/>
       </p:transition>
     </mc:Choice>
-    <mc:Fallback>
+    <mc:Fallback xmlns="">
       <p:transition spd="slow">
         <p:fade/>
       </p:transition>
@@ -30677,13 +30683,13 @@
   <p:clrMapOvr>
     <a:masterClrMapping/>
   </p:clrMapOvr>
-  <mc:AlternateContent xmlns:mc="http://schemas.openxmlformats.org/markup-compatibility/2006">
-    <mc:Choice xmlns:p159="http://schemas.microsoft.com/office/powerpoint/2015/09/main" Requires="p159">
+  <mc:AlternateContent xmlns:mc="http://schemas.openxmlformats.org/markup-compatibility/2006" xmlns:p159="http://schemas.microsoft.com/office/powerpoint/2015/09/main">
+    <mc:Choice Requires="p159">
       <p:transition spd="slow">
         <p159:morph option="byObject"/>
       </p:transition>
     </mc:Choice>
-    <mc:Fallback>
+    <mc:Fallback xmlns="">
       <p:transition spd="slow">
         <p:fade/>
       </p:transition>
@@ -31294,7 +31300,10 @@
             <a:r>
               <a:rPr lang="en-US" sz="5400" dirty="0">
                 <a:solidFill>
-                  <a:srgbClr val="FFF0B9"/>
+                  <a:schemeClr val="accent2">
+                    <a:lumMod val="40000"/>
+                    <a:lumOff val="60000"/>
+                  </a:schemeClr>
                 </a:solidFill>
                 <a:latin typeface="Miriam Libre" panose="00000500000000000000" pitchFamily="2" charset="-79"/>
                 <a:cs typeface="Miriam Libre" panose="00000500000000000000" pitchFamily="2" charset="-79"/>
@@ -31306,11 +31315,14 @@
                   </a:extLst>
                 </a:hlinkClick>
               </a:rPr>
-              <a:t>https://replit.com/@HylandOutreach/TheCountWithLoops#script.js</a:t>
+              <a:t>https://jsfiddle.net/wt5ycfp2/</a:t>
             </a:r>
             <a:endParaRPr lang="en-US" sz="5400" dirty="0">
               <a:solidFill>
-                <a:srgbClr val="FFF0B9"/>
+                <a:schemeClr val="accent2">
+                  <a:lumMod val="40000"/>
+                  <a:lumOff val="60000"/>
+                </a:schemeClr>
               </a:solidFill>
               <a:latin typeface="Miriam Libre" panose="00000500000000000000" pitchFamily="2" charset="-79"/>
               <a:cs typeface="Miriam Libre" panose="00000500000000000000" pitchFamily="2" charset="-79"/>
@@ -31328,13 +31340,13 @@
   <p:clrMapOvr>
     <a:masterClrMapping/>
   </p:clrMapOvr>
-  <mc:AlternateContent xmlns:mc="http://schemas.openxmlformats.org/markup-compatibility/2006">
-    <mc:Choice xmlns:p159="http://schemas.microsoft.com/office/powerpoint/2015/09/main" Requires="p159">
+  <mc:AlternateContent xmlns:mc="http://schemas.openxmlformats.org/markup-compatibility/2006" xmlns:p159="http://schemas.microsoft.com/office/powerpoint/2015/09/main">
+    <mc:Choice Requires="p159">
       <p:transition spd="slow">
         <p159:morph option="byObject"/>
       </p:transition>
     </mc:Choice>
-    <mc:Fallback>
+    <mc:Fallback xmlns="">
       <p:transition spd="slow">
         <p:fade/>
       </p:transition>
@@ -32093,13 +32105,13 @@
   <p:clrMapOvr>
     <a:masterClrMapping/>
   </p:clrMapOvr>
-  <mc:AlternateContent xmlns:mc="http://schemas.openxmlformats.org/markup-compatibility/2006">
-    <mc:Choice xmlns:p159="http://schemas.microsoft.com/office/powerpoint/2015/09/main" Requires="p159">
+  <mc:AlternateContent xmlns:mc="http://schemas.openxmlformats.org/markup-compatibility/2006" xmlns:p159="http://schemas.microsoft.com/office/powerpoint/2015/09/main">
+    <mc:Choice Requires="p159">
       <p:transition spd="slow">
         <p159:morph option="byObject"/>
       </p:transition>
     </mc:Choice>
-    <mc:Fallback>
+    <mc:Fallback xmlns="">
       <p:transition spd="slow">
         <p:fade/>
       </p:transition>
@@ -32844,13 +32856,13 @@
   <p:clrMapOvr>
     <a:masterClrMapping/>
   </p:clrMapOvr>
-  <mc:AlternateContent xmlns:mc="http://schemas.openxmlformats.org/markup-compatibility/2006">
-    <mc:Choice xmlns:p159="http://schemas.microsoft.com/office/powerpoint/2015/09/main" Requires="p159">
+  <mc:AlternateContent xmlns:mc="http://schemas.openxmlformats.org/markup-compatibility/2006" xmlns:p159="http://schemas.microsoft.com/office/powerpoint/2015/09/main">
+    <mc:Choice Requires="p159">
       <p:transition spd="slow">
         <p159:morph option="byObject"/>
       </p:transition>
     </mc:Choice>
-    <mc:Fallback>
+    <mc:Fallback xmlns="">
       <p:transition spd="slow">
         <p:fade/>
       </p:transition>
@@ -33124,13 +33136,13 @@
   <p:clrMapOvr>
     <a:masterClrMapping/>
   </p:clrMapOvr>
-  <mc:AlternateContent xmlns:mc="http://schemas.openxmlformats.org/markup-compatibility/2006">
-    <mc:Choice xmlns:p159="http://schemas.microsoft.com/office/powerpoint/2015/09/main" Requires="p159">
+  <mc:AlternateContent xmlns:mc="http://schemas.openxmlformats.org/markup-compatibility/2006" xmlns:p159="http://schemas.microsoft.com/office/powerpoint/2015/09/main">
+    <mc:Choice Requires="p159">
       <p:transition spd="slow">
         <p159:morph option="byObject"/>
       </p:transition>
     </mc:Choice>
-    <mc:Fallback>
+    <mc:Fallback xmlns="">
       <p:transition spd="slow">
         <p:fade/>
       </p:transition>
@@ -34392,13 +34404,13 @@
   <p:clrMapOvr>
     <a:masterClrMapping/>
   </p:clrMapOvr>
-  <mc:AlternateContent xmlns:mc="http://schemas.openxmlformats.org/markup-compatibility/2006">
-    <mc:Choice xmlns:p159="http://schemas.microsoft.com/office/powerpoint/2015/09/main" Requires="p159">
+  <mc:AlternateContent xmlns:mc="http://schemas.openxmlformats.org/markup-compatibility/2006" xmlns:p159="http://schemas.microsoft.com/office/powerpoint/2015/09/main">
+    <mc:Choice Requires="p159">
       <p:transition spd="slow">
         <p159:morph option="byObject"/>
       </p:transition>
     </mc:Choice>
-    <mc:Fallback>
+    <mc:Fallback xmlns="">
       <p:transition spd="slow">
         <p:fade/>
       </p:transition>
@@ -35508,13 +35520,13 @@
   <p:clrMapOvr>
     <a:masterClrMapping/>
   </p:clrMapOvr>
-  <mc:AlternateContent xmlns:mc="http://schemas.openxmlformats.org/markup-compatibility/2006">
-    <mc:Choice xmlns:p159="http://schemas.microsoft.com/office/powerpoint/2015/09/main" Requires="p159">
+  <mc:AlternateContent xmlns:mc="http://schemas.openxmlformats.org/markup-compatibility/2006" xmlns:p159="http://schemas.microsoft.com/office/powerpoint/2015/09/main">
+    <mc:Choice Requires="p159">
       <p:transition spd="slow">
         <p159:morph option="byObject"/>
       </p:transition>
     </mc:Choice>
-    <mc:Fallback>
+    <mc:Fallback xmlns="">
       <p:transition spd="slow">
         <p:fade/>
       </p:transition>
@@ -35993,13 +36005,13 @@
   <p:clrMapOvr>
     <a:masterClrMapping/>
   </p:clrMapOvr>
-  <mc:AlternateContent xmlns:mc="http://schemas.openxmlformats.org/markup-compatibility/2006">
-    <mc:Choice xmlns:p159="http://schemas.microsoft.com/office/powerpoint/2015/09/main" Requires="p159">
+  <mc:AlternateContent xmlns:mc="http://schemas.openxmlformats.org/markup-compatibility/2006" xmlns:p159="http://schemas.microsoft.com/office/powerpoint/2015/09/main">
+    <mc:Choice Requires="p159">
       <p:transition spd="slow">
         <p159:morph option="byObject"/>
       </p:transition>
     </mc:Choice>
-    <mc:Fallback>
+    <mc:Fallback xmlns="">
       <p:transition spd="slow">
         <p:fade/>
       </p:transition>
@@ -36466,13 +36478,13 @@
   <p:clrMapOvr>
     <a:masterClrMapping/>
   </p:clrMapOvr>
-  <mc:AlternateContent xmlns:mc="http://schemas.openxmlformats.org/markup-compatibility/2006">
-    <mc:Choice xmlns:p159="http://schemas.microsoft.com/office/powerpoint/2015/09/main" Requires="p159">
+  <mc:AlternateContent xmlns:mc="http://schemas.openxmlformats.org/markup-compatibility/2006" xmlns:p159="http://schemas.microsoft.com/office/powerpoint/2015/09/main">
+    <mc:Choice Requires="p159">
       <p:transition spd="slow">
         <p159:morph option="byObject"/>
       </p:transition>
     </mc:Choice>
-    <mc:Fallback>
+    <mc:Fallback xmlns="">
       <p:transition spd="slow">
         <p:fade/>
       </p:transition>
@@ -37124,13 +37136,13 @@
   <p:clrMapOvr>
     <a:masterClrMapping/>
   </p:clrMapOvr>
-  <mc:AlternateContent xmlns:mc="http://schemas.openxmlformats.org/markup-compatibility/2006">
-    <mc:Choice xmlns:p159="http://schemas.microsoft.com/office/powerpoint/2015/09/main" Requires="p159">
+  <mc:AlternateContent xmlns:mc="http://schemas.openxmlformats.org/markup-compatibility/2006" xmlns:p159="http://schemas.microsoft.com/office/powerpoint/2015/09/main">
+    <mc:Choice Requires="p159">
       <p:transition spd="slow">
         <p159:morph option="byObject"/>
       </p:transition>
     </mc:Choice>
-    <mc:Fallback>
+    <mc:Fallback xmlns="">
       <p:transition spd="slow">
         <p:fade/>
       </p:transition>
